--- a/Restaurants vs Obesity Project.pptx
+++ b/Restaurants vs Obesity Project.pptx
@@ -6,30 +6,31 @@
     <p:sldMasterId id="2147483671" r:id="rId2"/>
   </p:sldMasterIdLst>
   <p:notesMasterIdLst>
-    <p:notesMasterId r:id="rId24"/>
+    <p:notesMasterId r:id="rId25"/>
   </p:notesMasterIdLst>
   <p:sldIdLst>
     <p:sldId id="256" r:id="rId3"/>
     <p:sldId id="257" r:id="rId4"/>
     <p:sldId id="258" r:id="rId5"/>
-    <p:sldId id="259" r:id="rId6"/>
-    <p:sldId id="260" r:id="rId7"/>
-    <p:sldId id="261" r:id="rId8"/>
-    <p:sldId id="262" r:id="rId9"/>
-    <p:sldId id="263" r:id="rId10"/>
-    <p:sldId id="264" r:id="rId11"/>
-    <p:sldId id="265" r:id="rId12"/>
-    <p:sldId id="266" r:id="rId13"/>
-    <p:sldId id="267" r:id="rId14"/>
-    <p:sldId id="268" r:id="rId15"/>
-    <p:sldId id="269" r:id="rId16"/>
-    <p:sldId id="270" r:id="rId17"/>
-    <p:sldId id="271" r:id="rId18"/>
-    <p:sldId id="272" r:id="rId19"/>
-    <p:sldId id="273" r:id="rId20"/>
-    <p:sldId id="274" r:id="rId21"/>
-    <p:sldId id="275" r:id="rId22"/>
-    <p:sldId id="276" r:id="rId23"/>
+    <p:sldId id="277" r:id="rId6"/>
+    <p:sldId id="259" r:id="rId7"/>
+    <p:sldId id="260" r:id="rId8"/>
+    <p:sldId id="261" r:id="rId9"/>
+    <p:sldId id="262" r:id="rId10"/>
+    <p:sldId id="263" r:id="rId11"/>
+    <p:sldId id="264" r:id="rId12"/>
+    <p:sldId id="265" r:id="rId13"/>
+    <p:sldId id="266" r:id="rId14"/>
+    <p:sldId id="267" r:id="rId15"/>
+    <p:sldId id="268" r:id="rId16"/>
+    <p:sldId id="269" r:id="rId17"/>
+    <p:sldId id="270" r:id="rId18"/>
+    <p:sldId id="271" r:id="rId19"/>
+    <p:sldId id="272" r:id="rId20"/>
+    <p:sldId id="273" r:id="rId21"/>
+    <p:sldId id="274" r:id="rId22"/>
+    <p:sldId id="275" r:id="rId23"/>
+    <p:sldId id="276" r:id="rId24"/>
   </p:sldIdLst>
   <p:sldSz cx="9144000" cy="5143500" type="screen16x9"/>
   <p:notesSz cx="6858000" cy="9144000"/>
@@ -1078,7 +1079,7 @@
             </a:pPr>
             <a:fld id="{00000000-1234-1234-1234-123412341234}" type="slidenum">
               <a:rPr lang="en"/>
-              <a:t>10</a:t>
+              <a:t>11</a:t>
             </a:fld>
             <a:endParaRPr/>
           </a:p>
@@ -1442,7 +1443,7 @@
             </a:pPr>
             <a:fld id="{00000000-1234-1234-1234-123412341234}" type="slidenum">
               <a:rPr lang="en"/>
-              <a:t>12</a:t>
+              <a:t>13</a:t>
             </a:fld>
             <a:endParaRPr/>
           </a:p>
@@ -1728,7 +1729,7 @@
             </a:pPr>
             <a:fld id="{00000000-1234-1234-1234-123412341234}" type="slidenum">
               <a:rPr lang="en"/>
-              <a:t>13</a:t>
+              <a:t>14</a:t>
             </a:fld>
             <a:endParaRPr/>
           </a:p>
@@ -1952,7 +1953,7 @@
             </a:pPr>
             <a:fld id="{00000000-1234-1234-1234-123412341234}" type="slidenum">
               <a:rPr lang="en"/>
-              <a:t>14</a:t>
+              <a:t>15</a:t>
             </a:fld>
             <a:endParaRPr/>
           </a:p>
@@ -2311,7 +2312,7 @@
             </a:pPr>
             <a:fld id="{00000000-1234-1234-1234-123412341234}" type="slidenum">
               <a:rPr lang="en"/>
-              <a:t>16</a:t>
+              <a:t>17</a:t>
             </a:fld>
             <a:endParaRPr/>
           </a:p>
@@ -2504,7 +2505,7 @@
             </a:pPr>
             <a:fld id="{00000000-1234-1234-1234-123412341234}" type="slidenum">
               <a:rPr lang="en"/>
-              <a:t>17</a:t>
+              <a:t>18</a:t>
             </a:fld>
             <a:endParaRPr/>
           </a:p>
@@ -2831,7 +2832,7 @@
             </a:pPr>
             <a:fld id="{00000000-1234-1234-1234-123412341234}" type="slidenum">
               <a:rPr lang="en"/>
-              <a:t>19</a:t>
+              <a:t>20</a:t>
             </a:fld>
             <a:endParaRPr/>
           </a:p>
@@ -2957,13 +2958,12 @@
               <a:buChar char="-"/>
             </a:pPr>
             <a:r>
-              <a:rPr lang="en"/>
-              <a:t>We analyzed mainly fast food restaurants that are considered Healthy “chipotle”  and Unhealthy based on relevant resources. </a:t>
+              <a:rPr lang="en" dirty="0"/>
+              <a:t>We analyzed mainly fast food restaurants that are considered Healthy and Unhealthy based on relevant resources. </a:t>
             </a:r>
-            <a:endParaRPr/>
-          </a:p>
-          <a:p>
-            <a:pPr marL="171450" lvl="0" indent="-95250" algn="l" rtl="0">
+          </a:p>
+          <a:p>
+            <a:pPr marL="171450" lvl="0" indent="-171450" algn="l" rtl="0">
               <a:spcBef>
                 <a:spcPts val="0"/>
               </a:spcBef>
@@ -2975,9 +2975,9 @@
               </a:buClr>
               <a:buSzPts val="1200"/>
               <a:buFont typeface="Calibri"/>
-              <a:buNone/>
+              <a:buChar char="-"/>
             </a:pPr>
-            <a:endParaRPr/>
+            <a:endParaRPr lang="en" dirty="0"/>
           </a:p>
           <a:p>
             <a:pPr marL="171450" lvl="0" indent="-171450" algn="l" rtl="0">
@@ -2995,13 +2995,36 @@
               <a:buChar char="-"/>
             </a:pPr>
             <a:r>
-              <a:rPr lang="en"/>
-              <a:t>SuperSize Me inspired, unhealthy  </a:t>
+              <a:rPr lang="en" dirty="0"/>
+              <a:t>some </a:t>
             </a:r>
-            <a:endParaRPr/>
-          </a:p>
-          <a:p>
-            <a:pPr marL="171450" lvl="0" indent="-95250" algn="l" rtl="0">
+            <a:r>
+              <a:rPr lang="en" dirty="0" err="1"/>
+              <a:t>heatlthy</a:t>
+            </a:r>
+            <a:r>
+              <a:rPr lang="en" dirty="0"/>
+              <a:t> </a:t>
+            </a:r>
+            <a:r>
+              <a:rPr lang="en" dirty="0" err="1"/>
+              <a:t>inlcude</a:t>
+            </a:r>
+            <a:r>
+              <a:rPr lang="en" dirty="0"/>
+              <a:t> </a:t>
+            </a:r>
+            <a:r>
+              <a:rPr lang="en" dirty="0" err="1"/>
+              <a:t>panera</a:t>
+            </a:r>
+            <a:r>
+              <a:rPr lang="en" dirty="0"/>
+              <a:t>, chipotle, Subway</a:t>
+            </a:r>
+          </a:p>
+          <a:p>
+            <a:pPr marL="171450" lvl="0" indent="-171450" algn="l" rtl="0">
               <a:spcBef>
                 <a:spcPts val="0"/>
               </a:spcBef>
@@ -3013,72 +3036,12 @@
               </a:buClr>
               <a:buSzPts val="1200"/>
               <a:buFont typeface="Calibri"/>
-              <a:buNone/>
+              <a:buChar char="-"/>
             </a:pPr>
-            <a:endParaRPr/>
-          </a:p>
-          <a:p>
-            <a:pPr marL="0" lvl="0" indent="0" algn="l" rtl="0">
-              <a:spcBef>
-                <a:spcPts val="0"/>
-              </a:spcBef>
-              <a:spcAft>
-                <a:spcPts val="0"/>
-              </a:spcAft>
-              <a:buNone/>
-            </a:pPr>
-            <a:r>
-              <a:rPr lang="en"/>
-              <a:t>What is exactly healthy and unhealthy?</a:t>
-            </a:r>
-            <a:endParaRPr/>
-          </a:p>
-          <a:p>
-            <a:pPr marL="0" lvl="0" indent="0" algn="l" rtl="0">
-              <a:spcBef>
-                <a:spcPts val="0"/>
-              </a:spcBef>
-              <a:spcAft>
-                <a:spcPts val="0"/>
-              </a:spcAft>
-              <a:buNone/>
-            </a:pPr>
-            <a:r>
-              <a:rPr lang="en"/>
-              <a:t>Do bad food eating habits cause obesity?</a:t>
-            </a:r>
-            <a:endParaRPr/>
-          </a:p>
-          <a:p>
-            <a:pPr marL="0" lvl="0" indent="0" algn="l" rtl="0">
-              <a:spcBef>
-                <a:spcPts val="0"/>
-              </a:spcBef>
-              <a:spcAft>
-                <a:spcPts val="0"/>
-              </a:spcAft>
-              <a:buNone/>
-            </a:pPr>
-            <a:endParaRPr/>
-          </a:p>
-          <a:p>
-            <a:pPr marL="0" lvl="0" indent="0" algn="l" rtl="0">
-              <a:spcBef>
-                <a:spcPts val="0"/>
-              </a:spcBef>
-              <a:spcAft>
-                <a:spcPts val="0"/>
-              </a:spcAft>
-              <a:buNone/>
-            </a:pPr>
-            <a:r>
-              <a:rPr lang="en"/>
-              <a:t>Theses are questions we will address in the presentation  </a:t>
-            </a:r>
-            <a:endParaRPr/>
-          </a:p>
-          <a:p>
-            <a:pPr marL="171450" lvl="0" indent="-95250" algn="l" rtl="0">
+            <a:endParaRPr lang="en" dirty="0"/>
+          </a:p>
+          <a:p>
+            <a:pPr marL="171450" lvl="0" indent="-171450" algn="l" rtl="0">
               <a:spcBef>
                 <a:spcPts val="0"/>
               </a:spcBef>
@@ -3090,9 +3053,161 @@
               </a:buClr>
               <a:buSzPts val="1200"/>
               <a:buFont typeface="Calibri"/>
-              <a:buNone/>
+              <a:buChar char="-"/>
             </a:pPr>
-            <a:endParaRPr/>
+            <a:r>
+              <a:rPr lang="en" dirty="0" err="1"/>
+              <a:t>Unhaelthy</a:t>
+            </a:r>
+            <a:r>
+              <a:rPr lang="en" dirty="0"/>
+              <a:t>- </a:t>
+            </a:r>
+            <a:r>
+              <a:rPr lang="en" dirty="0" err="1"/>
+              <a:t>mcd's</a:t>
+            </a:r>
+            <a:r>
+              <a:rPr lang="en" dirty="0"/>
+              <a:t> wends burger </a:t>
+            </a:r>
+            <a:endParaRPr dirty="0"/>
+          </a:p>
+          <a:p>
+            <a:pPr marL="171450" lvl="0" indent="-95250" algn="l" rtl="0">
+              <a:spcBef>
+                <a:spcPts val="0"/>
+              </a:spcBef>
+              <a:spcAft>
+                <a:spcPts val="0"/>
+              </a:spcAft>
+              <a:buClr>
+                <a:schemeClr val="dk1"/>
+              </a:buClr>
+              <a:buSzPts val="1200"/>
+              <a:buFont typeface="Calibri"/>
+              <a:buNone/>
+            </a:pPr>
+            <a:endParaRPr dirty="0"/>
+          </a:p>
+          <a:p>
+            <a:pPr marL="171450" lvl="0" indent="-171450" algn="l" rtl="0">
+              <a:spcBef>
+                <a:spcPts val="0"/>
+              </a:spcBef>
+              <a:spcAft>
+                <a:spcPts val="0"/>
+              </a:spcAft>
+              <a:buClr>
+                <a:schemeClr val="dk1"/>
+              </a:buClr>
+              <a:buSzPts val="1200"/>
+              <a:buFont typeface="Calibri"/>
+              <a:buChar char="-"/>
+            </a:pPr>
+            <a:r>
+              <a:rPr lang="en" dirty="0" err="1"/>
+              <a:t>SuperSize</a:t>
+            </a:r>
+            <a:r>
+              <a:rPr lang="en" dirty="0"/>
+              <a:t> Me inspired, unhealthy  </a:t>
+            </a:r>
+            <a:endParaRPr dirty="0"/>
+          </a:p>
+          <a:p>
+            <a:pPr marL="171450" lvl="0" indent="-95250" algn="l" rtl="0">
+              <a:spcBef>
+                <a:spcPts val="0"/>
+              </a:spcBef>
+              <a:spcAft>
+                <a:spcPts val="0"/>
+              </a:spcAft>
+              <a:buClr>
+                <a:schemeClr val="dk1"/>
+              </a:buClr>
+              <a:buSzPts val="1200"/>
+              <a:buFont typeface="Calibri"/>
+              <a:buNone/>
+            </a:pPr>
+            <a:endParaRPr dirty="0"/>
+          </a:p>
+          <a:p>
+            <a:pPr marL="0" lvl="0" indent="0" algn="l" rtl="0">
+              <a:spcBef>
+                <a:spcPts val="0"/>
+              </a:spcBef>
+              <a:spcAft>
+                <a:spcPts val="0"/>
+              </a:spcAft>
+              <a:buNone/>
+            </a:pPr>
+            <a:r>
+              <a:rPr lang="en" dirty="0"/>
+              <a:t>What is exactly healthy and unhealthy?</a:t>
+            </a:r>
+            <a:endParaRPr dirty="0"/>
+          </a:p>
+          <a:p>
+            <a:pPr marL="0" lvl="0" indent="0" algn="l" rtl="0">
+              <a:spcBef>
+                <a:spcPts val="0"/>
+              </a:spcBef>
+              <a:spcAft>
+                <a:spcPts val="0"/>
+              </a:spcAft>
+              <a:buNone/>
+            </a:pPr>
+            <a:r>
+              <a:rPr lang="en" dirty="0"/>
+              <a:t>Do bad food eating habits cause obesity?</a:t>
+            </a:r>
+            <a:endParaRPr dirty="0"/>
+          </a:p>
+          <a:p>
+            <a:pPr marL="0" lvl="0" indent="0" algn="l" rtl="0">
+              <a:spcBef>
+                <a:spcPts val="0"/>
+              </a:spcBef>
+              <a:spcAft>
+                <a:spcPts val="0"/>
+              </a:spcAft>
+              <a:buNone/>
+            </a:pPr>
+            <a:endParaRPr dirty="0"/>
+          </a:p>
+          <a:p>
+            <a:pPr marL="0" lvl="0" indent="0" algn="l" rtl="0">
+              <a:spcBef>
+                <a:spcPts val="0"/>
+              </a:spcBef>
+              <a:spcAft>
+                <a:spcPts val="0"/>
+              </a:spcAft>
+              <a:buNone/>
+            </a:pPr>
+            <a:r>
+              <a:rPr lang="en" dirty="0"/>
+              <a:t>Theses are questions we will address in the presentation  </a:t>
+            </a:r>
+            <a:endParaRPr dirty="0"/>
+          </a:p>
+          <a:p>
+            <a:pPr marL="171450" lvl="0" indent="-95250" algn="l" rtl="0">
+              <a:spcBef>
+                <a:spcPts val="0"/>
+              </a:spcBef>
+              <a:spcAft>
+                <a:spcPts val="0"/>
+              </a:spcAft>
+              <a:buClr>
+                <a:schemeClr val="dk1"/>
+              </a:buClr>
+              <a:buSzPts val="1200"/>
+              <a:buFont typeface="Calibri"/>
+              <a:buNone/>
+            </a:pPr>
+            <a:endParaRPr dirty="0"/>
           </a:p>
         </p:txBody>
       </p:sp>
@@ -3303,7 +3418,7 @@
         </p:nvSpPr>
         <p:spPr>
           <a:xfrm>
-            <a:off x="381300" y="685800"/>
+            <a:off x="381000" y="685800"/>
             <a:ext cx="6096000" cy="3429000"/>
           </a:xfrm>
           <a:custGeom>
@@ -3490,10 +3605,10 @@
               <a:buChar char="-"/>
             </a:pPr>
             <a:r>
-              <a:rPr lang="en"/>
+              <a:rPr lang="en" dirty="0"/>
               <a:t>Why Panera is considered healthy because they use clean ingredients ( no MSG, artificial trans fat or preservatives or coloring, sweeteners or flavors , etc. </a:t>
             </a:r>
-            <a:endParaRPr/>
+            <a:endParaRPr dirty="0"/>
           </a:p>
           <a:p>
             <a:pPr marL="171450" lvl="0" indent="-171450" algn="l" rtl="0">
@@ -3511,10 +3626,10 @@
               <a:buChar char="-"/>
             </a:pPr>
             <a:r>
-              <a:rPr lang="en"/>
+              <a:rPr lang="en" dirty="0"/>
               <a:t>Chipotle considered healthy because they serve food with Non –GMO.  Ingredients are from farms all animals are raised without antibiotics or growth hormones. </a:t>
             </a:r>
-            <a:endParaRPr/>
+            <a:endParaRPr dirty="0"/>
           </a:p>
           <a:p>
             <a:pPr marL="171450" lvl="0" indent="-95250" algn="l" rtl="0">
@@ -3531,7 +3646,7 @@
               <a:buFont typeface="Calibri"/>
               <a:buNone/>
             </a:pPr>
-            <a:endParaRPr/>
+            <a:endParaRPr dirty="0"/>
           </a:p>
           <a:p>
             <a:pPr marL="171450" lvl="0" indent="-171450" algn="l" rtl="0">
@@ -3549,10 +3664,10 @@
               <a:buChar char="-"/>
             </a:pPr>
             <a:r>
-              <a:rPr lang="en"/>
+              <a:rPr lang="en" dirty="0"/>
               <a:t>Unhealthy we chose the top 4 from the article and used. Because they have high sodium, high fats, high carbs which all of these can lead to health issues such as high blood pressure, obesity etc.  Even the quality of ingredients are injected with hormones and such. </a:t>
             </a:r>
-            <a:endParaRPr/>
+            <a:endParaRPr dirty="0"/>
           </a:p>
           <a:p>
             <a:pPr marL="171450" lvl="0" indent="-95250" algn="l" rtl="0">
@@ -3569,7 +3684,7 @@
               <a:buFont typeface="Calibri"/>
               <a:buNone/>
             </a:pPr>
-            <a:endParaRPr/>
+            <a:endParaRPr dirty="0"/>
           </a:p>
           <a:p>
             <a:pPr marL="171450" marR="0" lvl="0" indent="-171450" algn="l" rtl="0">
@@ -3590,10 +3705,10 @@
               <a:buChar char="-"/>
             </a:pPr>
             <a:r>
-              <a:rPr lang="en"/>
+              <a:rPr lang="en" dirty="0"/>
               <a:t>which all of these can lead to health issues such as high blood pressure, obesity, heart disease etc.</a:t>
             </a:r>
-            <a:endParaRPr/>
+            <a:endParaRPr dirty="0"/>
           </a:p>
           <a:p>
             <a:pPr marL="171450" lvl="0" indent="-95250" algn="l" rtl="0">
@@ -3610,7 +3725,7 @@
               <a:buFont typeface="Calibri"/>
               <a:buNone/>
             </a:pPr>
-            <a:endParaRPr/>
+            <a:endParaRPr dirty="0"/>
           </a:p>
           <a:p>
             <a:pPr marL="171450" lvl="0" indent="-171450" algn="l" rtl="0">
@@ -3628,10 +3743,10 @@
               <a:buChar char="-"/>
             </a:pPr>
             <a:r>
-              <a:rPr lang="en"/>
+              <a:rPr lang="en" dirty="0"/>
               <a:t>Style of cooking is another factor Fried vs. Grilled (grilled being healthier fried being not) </a:t>
             </a:r>
-            <a:endParaRPr/>
+            <a:endParaRPr dirty="0"/>
           </a:p>
           <a:p>
             <a:pPr marL="171450" lvl="0" indent="-95250" algn="l" rtl="0">
@@ -3648,7 +3763,7 @@
               <a:buFont typeface="Calibri"/>
               <a:buNone/>
             </a:pPr>
-            <a:endParaRPr/>
+            <a:endParaRPr dirty="0"/>
           </a:p>
           <a:p>
             <a:pPr marL="0" lvl="0" indent="0" algn="l" rtl="0">
@@ -3661,10 +3776,10 @@
               <a:buNone/>
             </a:pPr>
             <a:r>
-              <a:rPr lang="en"/>
+              <a:rPr lang="en" dirty="0"/>
               <a:t>Internet reviews and articles (from resources we determined what data to use)</a:t>
             </a:r>
-            <a:endParaRPr/>
+            <a:endParaRPr dirty="0"/>
           </a:p>
           <a:p>
             <a:pPr marL="0" lvl="0" indent="0" algn="l" rtl="0">
@@ -3677,22 +3792,10 @@
               <a:buNone/>
             </a:pPr>
             <a:r>
-              <a:rPr lang="en"/>
+              <a:rPr lang="en" dirty="0"/>
               <a:t>Overall consensus within the group </a:t>
             </a:r>
-            <a:endParaRPr/>
-          </a:p>
-          <a:p>
-            <a:pPr marL="0" lvl="0" indent="0" algn="l" rtl="0">
-              <a:spcBef>
-                <a:spcPts val="0"/>
-              </a:spcBef>
-              <a:spcAft>
-                <a:spcPts val="0"/>
-              </a:spcAft>
-              <a:buNone/>
-            </a:pPr>
-            <a:endParaRPr/>
+            <a:endParaRPr dirty="0"/>
           </a:p>
           <a:p>
             <a:pPr marL="0" marR="0" lvl="0" indent="0" algn="l" rtl="0">
@@ -3713,11 +3816,11 @@
               <a:buNone/>
             </a:pPr>
             <a:r>
-              <a:rPr lang="en"/>
+              <a:rPr lang="en" dirty="0"/>
               <a:t>Healthy restaurant review link </a:t>
             </a:r>
             <a:r>
-              <a:rPr lang="en" u="sng">
+              <a:rPr lang="en" u="sng" dirty="0">
                 <a:solidFill>
                   <a:schemeClr val="hlink"/>
                 </a:solidFill>
@@ -3725,7 +3828,7 @@
               </a:rPr>
               <a:t>https://www.thedailymeal.com/eat/americas-10-healthiest-chain-restaurants-0/slide-9</a:t>
             </a:r>
-            <a:endParaRPr/>
+            <a:endParaRPr dirty="0"/>
           </a:p>
           <a:p>
             <a:pPr marL="0" marR="0" lvl="0" indent="0" algn="l" rtl="0">
@@ -3745,32 +3848,12 @@
               <a:buFont typeface="Calibri"/>
               <a:buNone/>
             </a:pPr>
-            <a:endParaRPr/>
-          </a:p>
-          <a:p>
-            <a:pPr marL="0" marR="0" lvl="0" indent="0" algn="l" rtl="0">
-              <a:lnSpc>
-                <a:spcPct val="100000"/>
-              </a:lnSpc>
-              <a:spcBef>
-                <a:spcPts val="0"/>
-              </a:spcBef>
-              <a:spcAft>
-                <a:spcPts val="0"/>
-              </a:spcAft>
-              <a:buClr>
-                <a:schemeClr val="dk1"/>
-              </a:buClr>
-              <a:buSzPts val="1200"/>
-              <a:buFont typeface="Calibri"/>
-              <a:buNone/>
-            </a:pPr>
             <a:r>
-              <a:rPr lang="en"/>
+              <a:rPr lang="en" dirty="0"/>
               <a:t>Unhealthy restaurant review link </a:t>
             </a:r>
             <a:r>
-              <a:rPr lang="en" u="sng">
+              <a:rPr lang="en" u="sng" dirty="0">
                 <a:solidFill>
                   <a:schemeClr val="hlink"/>
                 </a:solidFill>
@@ -3779,7 +3862,7 @@
               <a:t>https://www.thetravel.com/we-present-americas-20-most</a:t>
             </a:r>
             <a:r>
-              <a:rPr lang="en" u="sng">
+              <a:rPr lang="en" u="sng" dirty="0">
                 <a:solidFill>
                   <a:schemeClr val="hlink"/>
                 </a:solidFill>
@@ -3787,7 +3870,7 @@
               </a:rPr>
               <a:t>-unhealthy-fast-food-chains/</a:t>
             </a:r>
-            <a:endParaRPr/>
+            <a:endParaRPr dirty="0"/>
           </a:p>
           <a:p>
             <a:pPr marL="0" marR="0" lvl="0" indent="0" algn="l" rtl="0">
@@ -3807,7 +3890,7 @@
               <a:buFont typeface="Calibri"/>
               <a:buNone/>
             </a:pPr>
-            <a:endParaRPr/>
+            <a:endParaRPr lang="en-US" dirty="0"/>
           </a:p>
           <a:p>
             <a:pPr marL="0" marR="0" lvl="0" indent="0" algn="l" rtl="0">
@@ -3827,22 +3910,13 @@
               <a:buFont typeface="Calibri"/>
               <a:buNone/>
             </a:pPr>
-            <a:endParaRPr/>
-          </a:p>
-          <a:p>
-            <a:pPr marL="0" lvl="0" indent="0" algn="l" rtl="0">
-              <a:spcBef>
-                <a:spcPts val="0"/>
-              </a:spcBef>
-              <a:spcAft>
-                <a:spcPts val="0"/>
-              </a:spcAft>
-              <a:buNone/>
-            </a:pPr>
-            <a:endParaRPr/>
-          </a:p>
-          <a:p>
-            <a:pPr marL="171450" lvl="0" indent="-95250" algn="l" rtl="0">
+            <a:endParaRPr lang="en-US" dirty="0"/>
+          </a:p>
+          <a:p>
+            <a:pPr marL="0" marR="0" lvl="0" indent="0" algn="l" rtl="0">
+              <a:lnSpc>
+                <a:spcPct val="100000"/>
+              </a:lnSpc>
               <a:spcBef>
                 <a:spcPts val="0"/>
               </a:spcBef>
@@ -3856,7 +3930,99 @@
               <a:buFont typeface="Calibri"/>
               <a:buNone/>
             </a:pPr>
-            <a:endParaRPr/>
+            <a:r>
+              <a:rPr lang="en-US" dirty="0"/>
+              <a:t>Fast casual “ Healthy</a:t>
+            </a:r>
+          </a:p>
+          <a:p>
+            <a:pPr marL="0" marR="0" lvl="0" indent="0" algn="l" rtl="0">
+              <a:lnSpc>
+                <a:spcPct val="100000"/>
+              </a:lnSpc>
+              <a:spcBef>
+                <a:spcPts val="0"/>
+              </a:spcBef>
+              <a:spcAft>
+                <a:spcPts val="0"/>
+              </a:spcAft>
+              <a:buClr>
+                <a:schemeClr val="dk1"/>
+              </a:buClr>
+              <a:buSzPts val="1200"/>
+              <a:buFont typeface="Calibri"/>
+              <a:buNone/>
+            </a:pPr>
+            <a:endParaRPr lang="en-US" dirty="0"/>
+          </a:p>
+          <a:p>
+            <a:pPr marL="0" marR="0" lvl="0" indent="0" algn="l" rtl="0">
+              <a:lnSpc>
+                <a:spcPct val="100000"/>
+              </a:lnSpc>
+              <a:spcBef>
+                <a:spcPts val="0"/>
+              </a:spcBef>
+              <a:spcAft>
+                <a:spcPts val="0"/>
+              </a:spcAft>
+              <a:buClr>
+                <a:schemeClr val="dk1"/>
+              </a:buClr>
+              <a:buSzPts val="1200"/>
+              <a:buFont typeface="Calibri"/>
+              <a:buNone/>
+            </a:pPr>
+            <a:endParaRPr dirty="0"/>
+          </a:p>
+          <a:p>
+            <a:pPr marL="0" marR="0" lvl="0" indent="0" algn="l" rtl="0">
+              <a:lnSpc>
+                <a:spcPct val="100000"/>
+              </a:lnSpc>
+              <a:spcBef>
+                <a:spcPts val="0"/>
+              </a:spcBef>
+              <a:spcAft>
+                <a:spcPts val="0"/>
+              </a:spcAft>
+              <a:buClr>
+                <a:schemeClr val="dk1"/>
+              </a:buClr>
+              <a:buSzPts val="1200"/>
+              <a:buFont typeface="Calibri"/>
+              <a:buNone/>
+            </a:pPr>
+            <a:endParaRPr dirty="0"/>
+          </a:p>
+          <a:p>
+            <a:pPr marL="0" lvl="0" indent="0" algn="l" rtl="0">
+              <a:spcBef>
+                <a:spcPts val="0"/>
+              </a:spcBef>
+              <a:spcAft>
+                <a:spcPts val="0"/>
+              </a:spcAft>
+              <a:buNone/>
+            </a:pPr>
+            <a:endParaRPr dirty="0"/>
+          </a:p>
+          <a:p>
+            <a:pPr marL="171450" lvl="0" indent="-95250" algn="l" rtl="0">
+              <a:spcBef>
+                <a:spcPts val="0"/>
+              </a:spcBef>
+              <a:spcAft>
+                <a:spcPts val="0"/>
+              </a:spcAft>
+              <a:buClr>
+                <a:schemeClr val="dk1"/>
+              </a:buClr>
+              <a:buSzPts val="1200"/>
+              <a:buFont typeface="Calibri"/>
+              <a:buNone/>
+            </a:pPr>
+            <a:endParaRPr dirty="0"/>
           </a:p>
         </p:txBody>
       </p:sp>
@@ -4107,7 +4273,7 @@
             </a:pPr>
             <a:fld id="{00000000-1234-1234-1234-123412341234}" type="slidenum">
               <a:rPr lang="en"/>
-              <a:t>4</a:t>
+              <a:t>5</a:t>
             </a:fld>
             <a:endParaRPr/>
           </a:p>
@@ -4227,11 +4393,35 @@
               </a:spcAft>
               <a:buNone/>
             </a:pPr>
+            <a:endParaRPr lang="en" dirty="0"/>
+          </a:p>
+          <a:p>
+            <a:pPr marL="0" lvl="0" indent="0" algn="l" rtl="0">
+              <a:spcBef>
+                <a:spcPts val="0"/>
+              </a:spcBef>
+              <a:spcAft>
+                <a:spcPts val="0"/>
+              </a:spcAft>
+              <a:buNone/>
+            </a:pPr>
+            <a:endParaRPr lang="en" dirty="0"/>
+          </a:p>
+          <a:p>
+            <a:pPr marL="0" lvl="0" indent="0" algn="l" rtl="0">
+              <a:spcBef>
+                <a:spcPts val="0"/>
+              </a:spcBef>
+              <a:spcAft>
+                <a:spcPts val="0"/>
+              </a:spcAft>
+              <a:buNone/>
+            </a:pPr>
             <a:r>
-              <a:rPr lang="en"/>
+              <a:rPr lang="en" dirty="0"/>
               <a:t>If the restaurant is “Healthy” then the customers will give it a higher rating</a:t>
             </a:r>
-            <a:endParaRPr/>
+            <a:endParaRPr dirty="0"/>
           </a:p>
           <a:p>
             <a:pPr marL="0" lvl="0" indent="0" algn="l" rtl="0">
@@ -4243,7 +4433,7 @@
               </a:spcAft>
               <a:buNone/>
             </a:pPr>
-            <a:endParaRPr/>
+            <a:endParaRPr dirty="0"/>
           </a:p>
           <a:p>
             <a:pPr marL="0" lvl="0" indent="0" algn="l" rtl="0">
@@ -4256,10 +4446,10 @@
               <a:buNone/>
             </a:pPr>
             <a:r>
-              <a:rPr lang="en"/>
+              <a:rPr lang="en" dirty="0"/>
               <a:t>If the restaurant is “Unhealthy” then the customers will give it a lower rating</a:t>
             </a:r>
-            <a:endParaRPr/>
+            <a:endParaRPr dirty="0"/>
           </a:p>
           <a:p>
             <a:pPr marL="0" lvl="0" indent="0" algn="l" rtl="0">
@@ -4271,7 +4461,7 @@
               </a:spcAft>
               <a:buNone/>
             </a:pPr>
-            <a:endParaRPr/>
+            <a:endParaRPr dirty="0"/>
           </a:p>
           <a:p>
             <a:pPr marL="0" lvl="0" indent="0" algn="l" rtl="0">
@@ -4284,10 +4474,21 @@
               <a:buNone/>
             </a:pPr>
             <a:r>
-              <a:rPr lang="en"/>
+              <a:rPr lang="en" dirty="0"/>
               <a:t>If the Bottom 5 states have higher ratings in the healthy obesity charts then it is True</a:t>
             </a:r>
-            <a:endParaRPr/>
+          </a:p>
+          <a:p>
+            <a:pPr marL="0" lvl="0" indent="0" algn="l" rtl="0">
+              <a:spcBef>
+                <a:spcPts val="0"/>
+              </a:spcBef>
+              <a:spcAft>
+                <a:spcPts val="0"/>
+              </a:spcAft>
+              <a:buNone/>
+            </a:pPr>
+            <a:endParaRPr dirty="0"/>
           </a:p>
           <a:p>
             <a:pPr marL="0" lvl="0" indent="0" algn="l" rtl="0">
@@ -4300,10 +4501,21 @@
               <a:buNone/>
             </a:pPr>
             <a:r>
-              <a:rPr lang="en"/>
+              <a:rPr lang="en" dirty="0"/>
               <a:t>For the restaurant’s customers that visit, in the most obese states, rate the unhealthy restaurants higher. </a:t>
             </a:r>
-            <a:endParaRPr/>
+          </a:p>
+          <a:p>
+            <a:pPr marL="0" lvl="0" indent="0" algn="l" rtl="0">
+              <a:spcBef>
+                <a:spcPts val="0"/>
+              </a:spcBef>
+              <a:spcAft>
+                <a:spcPts val="0"/>
+              </a:spcAft>
+              <a:buNone/>
+            </a:pPr>
+            <a:endParaRPr dirty="0"/>
           </a:p>
           <a:p>
             <a:pPr marL="0" lvl="0" indent="0" algn="l" rtl="0">
@@ -4316,22 +4528,10 @@
               <a:buNone/>
             </a:pPr>
             <a:r>
-              <a:rPr lang="en"/>
-              <a:t>We’d like to test if the The ratings of unhealthy restaurants are different than the the ratings of the healthy restaurants.  They are equal</a:t>
+              <a:rPr lang="en" dirty="0"/>
+              <a:t>We’d like to test if the The ratings of unhealthy restaurants are different than the the ratings of the healthy restaurants.  </a:t>
             </a:r>
-            <a:endParaRPr/>
-          </a:p>
-          <a:p>
-            <a:pPr marL="0" lvl="0" indent="0" algn="l" rtl="0">
-              <a:spcBef>
-                <a:spcPts val="0"/>
-              </a:spcBef>
-              <a:spcAft>
-                <a:spcPts val="0"/>
-              </a:spcAft>
-              <a:buNone/>
-            </a:pPr>
-            <a:endParaRPr/>
+            <a:endParaRPr dirty="0"/>
           </a:p>
         </p:txBody>
       </p:sp>
@@ -4375,7 +4575,7 @@
             </a:pPr>
             <a:fld id="{00000000-1234-1234-1234-123412341234}" type="slidenum">
               <a:rPr lang="en"/>
-              <a:t>5</a:t>
+              <a:t>6</a:t>
             </a:fld>
             <a:endParaRPr/>
           </a:p>
@@ -4495,11 +4695,7 @@
               </a:spcAft>
               <a:buNone/>
             </a:pPr>
-            <a:r>
-              <a:rPr lang="en"/>
-              <a:t>Brandon</a:t>
-            </a:r>
-            <a:endParaRPr/>
+            <a:endParaRPr dirty="0"/>
           </a:p>
         </p:txBody>
       </p:sp>
@@ -4543,7 +4739,7 @@
             </a:pPr>
             <a:fld id="{00000000-1234-1234-1234-123412341234}" type="slidenum">
               <a:rPr lang="en"/>
-              <a:t>6</a:t>
+              <a:t>7</a:t>
             </a:fld>
             <a:endParaRPr/>
           </a:p>
@@ -4979,7 +5175,7 @@
             </a:pPr>
             <a:fld id="{00000000-1234-1234-1234-123412341234}" type="slidenum">
               <a:rPr lang="en"/>
-              <a:t>7</a:t>
+              <a:t>8</a:t>
             </a:fld>
             <a:endParaRPr/>
           </a:p>
@@ -5279,7 +5475,7 @@
             </a:pPr>
             <a:fld id="{00000000-1234-1234-1234-123412341234}" type="slidenum">
               <a:rPr lang="en"/>
-              <a:t>9</a:t>
+              <a:t>10</a:t>
             </a:fld>
             <a:endParaRPr/>
           </a:p>
@@ -21824,6 +22020,119 @@
   <p:cSld>
     <p:spTree>
       <p:nvGrpSpPr>
+        <p:cNvPr id="1" name="Shape 234"/>
+        <p:cNvGrpSpPr/>
+        <p:nvPr/>
+      </p:nvGrpSpPr>
+      <p:grpSpPr>
+        <a:xfrm>
+          <a:off x="0" y="0"/>
+          <a:ext cx="0" cy="0"/>
+          <a:chOff x="0" y="0"/>
+          <a:chExt cx="0" cy="0"/>
+        </a:xfrm>
+      </p:grpSpPr>
+      <p:sp>
+        <p:nvSpPr>
+          <p:cNvPr id="235" name="Google Shape;235;p33"/>
+          <p:cNvSpPr txBox="1">
+            <a:spLocks noGrp="1"/>
+          </p:cNvSpPr>
+          <p:nvPr>
+            <p:ph type="title"/>
+          </p:nvPr>
+        </p:nvSpPr>
+        <p:spPr>
+          <a:xfrm>
+            <a:off x="1795570" y="434592"/>
+            <a:ext cx="5968748" cy="807922"/>
+          </a:xfrm>
+          <a:prstGeom prst="rect">
+            <a:avLst/>
+          </a:prstGeom>
+          <a:noFill/>
+          <a:ln>
+            <a:noFill/>
+          </a:ln>
+        </p:spPr>
+        <p:txBody>
+          <a:bodyPr spcFirstLastPara="1" wrap="square" lIns="68575" tIns="34275" rIns="68575" bIns="34275" anchor="t" anchorCtr="0">
+            <a:noAutofit/>
+          </a:bodyPr>
+          <a:lstStyle/>
+          <a:p>
+            <a:pPr marL="0" lvl="0" indent="0" algn="ctr" rtl="0">
+              <a:lnSpc>
+                <a:spcPct val="90000"/>
+              </a:lnSpc>
+              <a:spcBef>
+                <a:spcPts val="0"/>
+              </a:spcBef>
+              <a:spcAft>
+                <a:spcPts val="0"/>
+              </a:spcAft>
+              <a:buClr>
+                <a:schemeClr val="lt1"/>
+              </a:buClr>
+              <a:buSzPts val="2600"/>
+              <a:buFont typeface="Arial"/>
+              <a:buNone/>
+            </a:pPr>
+            <a:br>
+              <a:rPr lang="en" sz="1100" b="1"/>
+            </a:br>
+            <a:r>
+              <a:rPr lang="en" sz="2400" b="1"/>
+              <a:t>Obesity Rankings</a:t>
+            </a:r>
+            <a:endParaRPr sz="2400"/>
+          </a:p>
+        </p:txBody>
+      </p:sp>
+      <p:pic>
+        <p:nvPicPr>
+          <p:cNvPr id="236" name="Google Shape;236;p33"/>
+          <p:cNvPicPr preferRelativeResize="0">
+            <a:picLocks noGrp="1"/>
+          </p:cNvPicPr>
+          <p:nvPr>
+            <p:ph type="body" idx="1"/>
+          </p:nvPr>
+        </p:nvPicPr>
+        <p:blipFill rotWithShape="1">
+          <a:blip r:embed="rId3">
+            <a:alphaModFix/>
+          </a:blip>
+          <a:srcRect/>
+          <a:stretch/>
+        </p:blipFill>
+        <p:spPr>
+          <a:xfrm>
+            <a:off x="906235" y="1466561"/>
+            <a:ext cx="7429500" cy="3242348"/>
+          </a:xfrm>
+          <a:prstGeom prst="rect">
+            <a:avLst/>
+          </a:prstGeom>
+          <a:noFill/>
+          <a:ln>
+            <a:noFill/>
+          </a:ln>
+        </p:spPr>
+      </p:pic>
+    </p:spTree>
+  </p:cSld>
+  <p:clrMapOvr>
+    <a:masterClrMapping/>
+  </p:clrMapOvr>
+</p:sld>
+</file>
+
+<file path=ppt/slides/slide11.xml><?xml version="1.0" encoding="utf-8"?>
+<p:sld xmlns:a="http://schemas.openxmlformats.org/drawingml/2006/main" xmlns:r="http://schemas.openxmlformats.org/officeDocument/2006/relationships" xmlns:p="http://schemas.openxmlformats.org/presentationml/2006/main">
+  <p:cSld>
+    <p:spTree>
+      <p:nvGrpSpPr>
         <p:cNvPr id="1" name="Shape 241"/>
         <p:cNvGrpSpPr/>
         <p:nvPr/>
@@ -22110,7 +22419,7 @@
 </p:sld>
 </file>
 
-<file path=ppt/slides/slide11.xml><?xml version="1.0" encoding="utf-8"?>
+<file path=ppt/slides/slide12.xml><?xml version="1.0" encoding="utf-8"?>
 <p:sld xmlns:a="http://schemas.openxmlformats.org/drawingml/2006/main" xmlns:r="http://schemas.openxmlformats.org/officeDocument/2006/relationships" xmlns:p="http://schemas.openxmlformats.org/presentationml/2006/main">
   <p:cSld>
     <p:spTree>
@@ -22364,7 +22673,7 @@
 </p:sld>
 </file>
 
-<file path=ppt/slides/slide12.xml><?xml version="1.0" encoding="utf-8"?>
+<file path=ppt/slides/slide13.xml><?xml version="1.0" encoding="utf-8"?>
 <p:sld xmlns:a="http://schemas.openxmlformats.org/drawingml/2006/main" xmlns:r="http://schemas.openxmlformats.org/officeDocument/2006/relationships" xmlns:p="http://schemas.openxmlformats.org/presentationml/2006/main">
   <p:cSld>
     <p:spTree>
@@ -22474,7 +22783,7 @@
 </p:sld>
 </file>
 
-<file path=ppt/slides/slide13.xml><?xml version="1.0" encoding="utf-8"?>
+<file path=ppt/slides/slide14.xml><?xml version="1.0" encoding="utf-8"?>
 <p:sld xmlns:a="http://schemas.openxmlformats.org/drawingml/2006/main" xmlns:r="http://schemas.openxmlformats.org/officeDocument/2006/relationships" xmlns:p="http://schemas.openxmlformats.org/presentationml/2006/main">
   <p:cSld>
     <p:spTree>
@@ -22595,7 +22904,7 @@
 </p:sld>
 </file>
 
-<file path=ppt/slides/slide14.xml><?xml version="1.0" encoding="utf-8"?>
+<file path=ppt/slides/slide15.xml><?xml version="1.0" encoding="utf-8"?>
 <p:sld xmlns:a="http://schemas.openxmlformats.org/drawingml/2006/main" xmlns:r="http://schemas.openxmlformats.org/officeDocument/2006/relationships" xmlns:p="http://schemas.openxmlformats.org/presentationml/2006/main">
   <p:cSld>
     <p:spTree>
@@ -22831,7 +23140,7 @@
 </p:sld>
 </file>
 
-<file path=ppt/slides/slide15.xml><?xml version="1.0" encoding="utf-8"?>
+<file path=ppt/slides/slide16.xml><?xml version="1.0" encoding="utf-8"?>
 <p:sld xmlns:a="http://schemas.openxmlformats.org/drawingml/2006/main" xmlns:r="http://schemas.openxmlformats.org/officeDocument/2006/relationships" xmlns:p="http://schemas.openxmlformats.org/presentationml/2006/main">
   <p:cSld>
     <p:spTree>
@@ -22951,7 +23260,7 @@
 </p:sld>
 </file>
 
-<file path=ppt/slides/slide16.xml><?xml version="1.0" encoding="utf-8"?>
+<file path=ppt/slides/slide17.xml><?xml version="1.0" encoding="utf-8"?>
 <p:sld xmlns:a="http://schemas.openxmlformats.org/drawingml/2006/main" xmlns:r="http://schemas.openxmlformats.org/officeDocument/2006/relationships" xmlns:p="http://schemas.openxmlformats.org/presentationml/2006/main">
   <p:cSld>
     <p:spTree>
@@ -23188,7 +23497,7 @@
 </p:sld>
 </file>
 
-<file path=ppt/slides/slide17.xml><?xml version="1.0" encoding="utf-8"?>
+<file path=ppt/slides/slide18.xml><?xml version="1.0" encoding="utf-8"?>
 <p:sld xmlns:a="http://schemas.openxmlformats.org/drawingml/2006/main" xmlns:r="http://schemas.openxmlformats.org/officeDocument/2006/relationships" xmlns:p="http://schemas.openxmlformats.org/presentationml/2006/main">
   <p:cSld>
     <p:spTree>
@@ -23305,7 +23614,7 @@
 </p:sld>
 </file>
 
-<file path=ppt/slides/slide18.xml><?xml version="1.0" encoding="utf-8"?>
+<file path=ppt/slides/slide19.xml><?xml version="1.0" encoding="utf-8"?>
 <p:sld xmlns:a="http://schemas.openxmlformats.org/drawingml/2006/main" xmlns:r="http://schemas.openxmlformats.org/officeDocument/2006/relationships" xmlns:p="http://schemas.openxmlformats.org/presentationml/2006/main">
   <p:cSld>
     <p:spTree>
@@ -23414,175 +23723,6 @@
           </a:ln>
         </p:spPr>
       </p:pic>
-    </p:spTree>
-  </p:cSld>
-  <p:clrMapOvr>
-    <a:masterClrMapping/>
-  </p:clrMapOvr>
-</p:sld>
-</file>
-
-<file path=ppt/slides/slide19.xml><?xml version="1.0" encoding="utf-8"?>
-<p:sld xmlns:a="http://schemas.openxmlformats.org/drawingml/2006/main" xmlns:r="http://schemas.openxmlformats.org/officeDocument/2006/relationships" xmlns:p="http://schemas.openxmlformats.org/presentationml/2006/main">
-  <p:cSld>
-    <p:spTree>
-      <p:nvGrpSpPr>
-        <p:cNvPr id="1" name="Shape 308"/>
-        <p:cNvGrpSpPr/>
-        <p:nvPr/>
-      </p:nvGrpSpPr>
-      <p:grpSpPr>
-        <a:xfrm>
-          <a:off x="0" y="0"/>
-          <a:ext cx="0" cy="0"/>
-          <a:chOff x="0" y="0"/>
-          <a:chExt cx="0" cy="0"/>
-        </a:xfrm>
-      </p:grpSpPr>
-      <p:sp>
-        <p:nvSpPr>
-          <p:cNvPr id="309" name="Google Shape;309;p43"/>
-          <p:cNvSpPr txBox="1">
-            <a:spLocks noGrp="1"/>
-          </p:cNvSpPr>
-          <p:nvPr>
-            <p:ph type="title"/>
-          </p:nvPr>
-        </p:nvSpPr>
-        <p:spPr>
-          <a:xfrm>
-            <a:off x="1893881" y="692667"/>
-            <a:ext cx="5968800" cy="807900"/>
-          </a:xfrm>
-          <a:prstGeom prst="rect">
-            <a:avLst/>
-          </a:prstGeom>
-          <a:noFill/>
-          <a:ln>
-            <a:noFill/>
-          </a:ln>
-        </p:spPr>
-        <p:txBody>
-          <a:bodyPr spcFirstLastPara="1" wrap="square" lIns="68575" tIns="34275" rIns="68575" bIns="34275" anchor="t" anchorCtr="0">
-            <a:noAutofit/>
-          </a:bodyPr>
-          <a:lstStyle/>
-          <a:p>
-            <a:pPr marL="0" lvl="0" indent="0" algn="ctr" rtl="0">
-              <a:lnSpc>
-                <a:spcPct val="90000"/>
-              </a:lnSpc>
-              <a:spcBef>
-                <a:spcPts val="0"/>
-              </a:spcBef>
-              <a:spcAft>
-                <a:spcPts val="0"/>
-              </a:spcAft>
-              <a:buClr>
-                <a:schemeClr val="lt1"/>
-              </a:buClr>
-              <a:buSzPts val="2600"/>
-              <a:buFont typeface="Arial"/>
-              <a:buNone/>
-            </a:pPr>
-            <a:r>
-              <a:rPr lang="en" sz="2400"/>
-              <a:t>Discussing the obstacles</a:t>
-            </a:r>
-            <a:endParaRPr sz="2400"/>
-          </a:p>
-        </p:txBody>
-      </p:sp>
-      <p:sp>
-        <p:nvSpPr>
-          <p:cNvPr id="310" name="Google Shape;310;p43"/>
-          <p:cNvSpPr txBox="1">
-            <a:spLocks noGrp="1"/>
-          </p:cNvSpPr>
-          <p:nvPr>
-            <p:ph type="body" idx="1"/>
-          </p:nvPr>
-        </p:nvSpPr>
-        <p:spPr>
-          <a:xfrm>
-            <a:off x="1594349" y="1440237"/>
-            <a:ext cx="5847300" cy="2998500"/>
-          </a:xfrm>
-          <a:prstGeom prst="rect">
-            <a:avLst/>
-          </a:prstGeom>
-          <a:noFill/>
-          <a:ln>
-            <a:noFill/>
-          </a:ln>
-        </p:spPr>
-        <p:txBody>
-          <a:bodyPr spcFirstLastPara="1" wrap="square" lIns="68575" tIns="34275" rIns="68575" bIns="34275" anchor="ctr" anchorCtr="0">
-            <a:noAutofit/>
-          </a:bodyPr>
-          <a:lstStyle/>
-          <a:p>
-            <a:pPr marL="254000" lvl="0" indent="-279400" algn="l" rtl="0">
-              <a:lnSpc>
-                <a:spcPct val="120000"/>
-              </a:lnSpc>
-              <a:spcBef>
-                <a:spcPts val="0"/>
-              </a:spcBef>
-              <a:spcAft>
-                <a:spcPts val="0"/>
-              </a:spcAft>
-              <a:buSzPts val="1800"/>
-              <a:buChar char="▪"/>
-            </a:pPr>
-            <a:r>
-              <a:rPr lang="en" sz="1800"/>
-              <a:t>Gathering data was most difficult, deciding which API would be best for this project.  </a:t>
-            </a:r>
-            <a:endParaRPr sz="1800"/>
-          </a:p>
-          <a:p>
-            <a:pPr marL="254000" lvl="0" indent="-279400" algn="l" rtl="0">
-              <a:lnSpc>
-                <a:spcPct val="120000"/>
-              </a:lnSpc>
-              <a:spcBef>
-                <a:spcPts val="1200"/>
-              </a:spcBef>
-              <a:spcAft>
-                <a:spcPts val="0"/>
-              </a:spcAft>
-              <a:buSzPts val="1800"/>
-              <a:buChar char="▪"/>
-            </a:pPr>
-            <a:r>
-              <a:rPr lang="en" sz="1800"/>
-              <a:t>Determine what was ”healthy and unhealthy” </a:t>
-            </a:r>
-            <a:endParaRPr sz="1800"/>
-          </a:p>
-          <a:p>
-            <a:pPr marL="254000" lvl="0" indent="-279400" algn="l" rtl="0">
-              <a:lnSpc>
-                <a:spcPct val="120000"/>
-              </a:lnSpc>
-              <a:spcBef>
-                <a:spcPts val="1200"/>
-              </a:spcBef>
-              <a:spcAft>
-                <a:spcPts val="0"/>
-              </a:spcAft>
-              <a:buSzPts val="1800"/>
-              <a:buChar char="▪"/>
-            </a:pPr>
-            <a:r>
-              <a:rPr lang="en" sz="1800"/>
-              <a:t>Merge conflicts </a:t>
-            </a:r>
-            <a:endParaRPr sz="1800"/>
-          </a:p>
-        </p:txBody>
-      </p:sp>
     </p:spTree>
   </p:cSld>
   <p:clrMapOvr>
@@ -23907,6 +24047,175 @@
   <p:cSld>
     <p:spTree>
       <p:nvGrpSpPr>
+        <p:cNvPr id="1" name="Shape 308"/>
+        <p:cNvGrpSpPr/>
+        <p:nvPr/>
+      </p:nvGrpSpPr>
+      <p:grpSpPr>
+        <a:xfrm>
+          <a:off x="0" y="0"/>
+          <a:ext cx="0" cy="0"/>
+          <a:chOff x="0" y="0"/>
+          <a:chExt cx="0" cy="0"/>
+        </a:xfrm>
+      </p:grpSpPr>
+      <p:sp>
+        <p:nvSpPr>
+          <p:cNvPr id="309" name="Google Shape;309;p43"/>
+          <p:cNvSpPr txBox="1">
+            <a:spLocks noGrp="1"/>
+          </p:cNvSpPr>
+          <p:nvPr>
+            <p:ph type="title"/>
+          </p:nvPr>
+        </p:nvSpPr>
+        <p:spPr>
+          <a:xfrm>
+            <a:off x="1893881" y="692667"/>
+            <a:ext cx="5968800" cy="807900"/>
+          </a:xfrm>
+          <a:prstGeom prst="rect">
+            <a:avLst/>
+          </a:prstGeom>
+          <a:noFill/>
+          <a:ln>
+            <a:noFill/>
+          </a:ln>
+        </p:spPr>
+        <p:txBody>
+          <a:bodyPr spcFirstLastPara="1" wrap="square" lIns="68575" tIns="34275" rIns="68575" bIns="34275" anchor="t" anchorCtr="0">
+            <a:noAutofit/>
+          </a:bodyPr>
+          <a:lstStyle/>
+          <a:p>
+            <a:pPr marL="0" lvl="0" indent="0" algn="ctr" rtl="0">
+              <a:lnSpc>
+                <a:spcPct val="90000"/>
+              </a:lnSpc>
+              <a:spcBef>
+                <a:spcPts val="0"/>
+              </a:spcBef>
+              <a:spcAft>
+                <a:spcPts val="0"/>
+              </a:spcAft>
+              <a:buClr>
+                <a:schemeClr val="lt1"/>
+              </a:buClr>
+              <a:buSzPts val="2600"/>
+              <a:buFont typeface="Arial"/>
+              <a:buNone/>
+            </a:pPr>
+            <a:r>
+              <a:rPr lang="en" sz="2400" dirty="0"/>
+              <a:t>Discussing the obstacles</a:t>
+            </a:r>
+            <a:endParaRPr sz="2400" dirty="0"/>
+          </a:p>
+        </p:txBody>
+      </p:sp>
+      <p:sp>
+        <p:nvSpPr>
+          <p:cNvPr id="310" name="Google Shape;310;p43"/>
+          <p:cNvSpPr txBox="1">
+            <a:spLocks noGrp="1"/>
+          </p:cNvSpPr>
+          <p:nvPr>
+            <p:ph type="body" idx="1"/>
+          </p:nvPr>
+        </p:nvSpPr>
+        <p:spPr>
+          <a:xfrm>
+            <a:off x="1594349" y="1440237"/>
+            <a:ext cx="5847300" cy="2998500"/>
+          </a:xfrm>
+          <a:prstGeom prst="rect">
+            <a:avLst/>
+          </a:prstGeom>
+          <a:noFill/>
+          <a:ln>
+            <a:noFill/>
+          </a:ln>
+        </p:spPr>
+        <p:txBody>
+          <a:bodyPr spcFirstLastPara="1" wrap="square" lIns="68575" tIns="34275" rIns="68575" bIns="34275" anchor="ctr" anchorCtr="0">
+            <a:noAutofit/>
+          </a:bodyPr>
+          <a:lstStyle/>
+          <a:p>
+            <a:pPr marL="254000" lvl="0" indent="-279400" algn="l" rtl="0">
+              <a:lnSpc>
+                <a:spcPct val="120000"/>
+              </a:lnSpc>
+              <a:spcBef>
+                <a:spcPts val="0"/>
+              </a:spcBef>
+              <a:spcAft>
+                <a:spcPts val="0"/>
+              </a:spcAft>
+              <a:buSzPts val="1800"/>
+              <a:buChar char="▪"/>
+            </a:pPr>
+            <a:r>
+              <a:rPr lang="en" sz="1800"/>
+              <a:t>Gathering data was most difficult, deciding which API would be best for this project.  </a:t>
+            </a:r>
+            <a:endParaRPr sz="1800"/>
+          </a:p>
+          <a:p>
+            <a:pPr marL="254000" lvl="0" indent="-279400" algn="l" rtl="0">
+              <a:lnSpc>
+                <a:spcPct val="120000"/>
+              </a:lnSpc>
+              <a:spcBef>
+                <a:spcPts val="1200"/>
+              </a:spcBef>
+              <a:spcAft>
+                <a:spcPts val="0"/>
+              </a:spcAft>
+              <a:buSzPts val="1800"/>
+              <a:buChar char="▪"/>
+            </a:pPr>
+            <a:r>
+              <a:rPr lang="en" sz="1800"/>
+              <a:t>Determine what was ”healthy and unhealthy” </a:t>
+            </a:r>
+            <a:endParaRPr sz="1800"/>
+          </a:p>
+          <a:p>
+            <a:pPr marL="254000" lvl="0" indent="-279400" algn="l" rtl="0">
+              <a:lnSpc>
+                <a:spcPct val="120000"/>
+              </a:lnSpc>
+              <a:spcBef>
+                <a:spcPts val="1200"/>
+              </a:spcBef>
+              <a:spcAft>
+                <a:spcPts val="0"/>
+              </a:spcAft>
+              <a:buSzPts val="1800"/>
+              <a:buChar char="▪"/>
+            </a:pPr>
+            <a:r>
+              <a:rPr lang="en" sz="1800"/>
+              <a:t>Merge conflicts </a:t>
+            </a:r>
+            <a:endParaRPr sz="1800"/>
+          </a:p>
+        </p:txBody>
+      </p:sp>
+    </p:spTree>
+  </p:cSld>
+  <p:clrMapOvr>
+    <a:masterClrMapping/>
+  </p:clrMapOvr>
+</p:sld>
+</file>
+
+<file path=ppt/slides/slide21.xml><?xml version="1.0" encoding="utf-8"?>
+<p:sld xmlns:a="http://schemas.openxmlformats.org/drawingml/2006/main" xmlns:r="http://schemas.openxmlformats.org/officeDocument/2006/relationships" xmlns:p="http://schemas.openxmlformats.org/presentationml/2006/main">
+  <p:cSld>
+    <p:spTree>
+      <p:nvGrpSpPr>
         <p:cNvPr id="1" name="Shape 314"/>
         <p:cNvGrpSpPr/>
         <p:nvPr/>
@@ -23966,10 +24275,10 @@
               <a:buNone/>
             </a:pPr>
             <a:r>
-              <a:rPr lang="en" sz="2400"/>
+              <a:rPr lang="en" sz="2400" dirty="0"/>
               <a:t>Conclusion </a:t>
             </a:r>
-            <a:endParaRPr sz="2400"/>
+            <a:endParaRPr sz="2400" dirty="0"/>
           </a:p>
         </p:txBody>
       </p:sp>
@@ -24062,7 +24371,7 @@
 </p:sld>
 </file>
 
-<file path=ppt/slides/slide21.xml><?xml version="1.0" encoding="utf-8"?>
+<file path=ppt/slides/slide22.xml><?xml version="1.0" encoding="utf-8"?>
 <p:sld xmlns:a="http://schemas.openxmlformats.org/drawingml/2006/main" xmlns:r="http://schemas.openxmlformats.org/officeDocument/2006/relationships" xmlns:p="http://schemas.openxmlformats.org/presentationml/2006/main">
   <p:cSld>
     <p:spTree>
@@ -24156,10 +24465,10 @@
               <a:buNone/>
             </a:pPr>
             <a:r>
-              <a:rPr lang="en"/>
-              <a:t>Questions?</a:t>
+              <a:rPr lang="en" sz="1800" dirty="0"/>
+              <a:t>Q&amp;A?</a:t>
             </a:r>
-            <a:endParaRPr/>
+            <a:endParaRPr sz="1800" dirty="0"/>
           </a:p>
         </p:txBody>
       </p:sp>
@@ -24291,10 +24600,10 @@
               <a:buNone/>
             </a:pPr>
             <a:r>
-              <a:rPr lang="en" sz="1800" b="1"/>
+              <a:rPr lang="en" sz="1800" b="1" dirty="0"/>
               <a:t>Healthy restaurant</a:t>
             </a:r>
-            <a:endParaRPr sz="1800"/>
+            <a:endParaRPr sz="1800" dirty="0"/>
           </a:p>
           <a:p>
             <a:pPr marL="0" lvl="0" indent="0" algn="l" rtl="0">
@@ -24311,14 +24620,14 @@
               <a:buNone/>
             </a:pPr>
             <a:r>
-              <a:rPr lang="en" sz="1400" b="1"/>
+              <a:rPr lang="en" sz="1400" b="1" dirty="0"/>
               <a:t>Uses clean ingredients</a:t>
             </a:r>
             <a:r>
-              <a:rPr lang="en" sz="1100" b="1"/>
+              <a:rPr lang="en" sz="1100" b="1" dirty="0"/>
               <a:t>:</a:t>
             </a:r>
-            <a:endParaRPr sz="1100"/>
+            <a:endParaRPr sz="1100" dirty="0"/>
           </a:p>
           <a:p>
             <a:pPr marL="254000" lvl="0" indent="-254000" algn="l" rtl="0">
@@ -24335,10 +24644,10 @@
               <a:buChar char="▪"/>
             </a:pPr>
             <a:r>
-              <a:rPr lang="en" sz="1600"/>
-              <a:t>No MSG,  artificial trans-fat, </a:t>
+              <a:rPr lang="en" sz="1600" dirty="0"/>
+              <a:t>No MSG, or artificial trans-fat, </a:t>
             </a:r>
-            <a:endParaRPr sz="1100"/>
+            <a:endParaRPr sz="1100" dirty="0"/>
           </a:p>
           <a:p>
             <a:pPr marL="254000" lvl="0" indent="-254000" algn="l" rtl="0">
@@ -24355,10 +24664,10 @@
               <a:buChar char="▪"/>
             </a:pPr>
             <a:r>
-              <a:rPr lang="en" sz="1600"/>
+              <a:rPr lang="en" sz="1600" dirty="0"/>
               <a:t>No preservatives or coloring, </a:t>
             </a:r>
-            <a:endParaRPr sz="1100"/>
+            <a:endParaRPr sz="1100" dirty="0"/>
           </a:p>
           <a:p>
             <a:pPr marL="254000" lvl="0" indent="-254000" algn="l" rtl="0">
@@ -24375,10 +24684,10 @@
               <a:buChar char="▪"/>
             </a:pPr>
             <a:r>
-              <a:rPr lang="en" sz="1600"/>
+              <a:rPr lang="en" sz="1600" dirty="0"/>
               <a:t>No sweeteners or flavors , etc.</a:t>
             </a:r>
-            <a:endParaRPr sz="1100"/>
+            <a:endParaRPr sz="1100" dirty="0"/>
           </a:p>
           <a:p>
             <a:pPr marL="0" lvl="0" indent="0" algn="l" rtl="0">
@@ -24395,10 +24704,10 @@
               <a:buNone/>
             </a:pPr>
             <a:r>
-              <a:rPr lang="en" sz="1800" b="1"/>
+              <a:rPr lang="en" sz="1800" b="1" dirty="0"/>
               <a:t>Unhealthy restaurants</a:t>
             </a:r>
-            <a:endParaRPr sz="1800"/>
+            <a:endParaRPr sz="1800" dirty="0"/>
           </a:p>
           <a:p>
             <a:pPr marL="254000" lvl="0" indent="-266700" algn="l" rtl="0">
@@ -24415,10 +24724,10 @@
               <a:buChar char="▪"/>
             </a:pPr>
             <a:r>
-              <a:rPr lang="en" sz="1600"/>
+              <a:rPr lang="en" sz="1600" dirty="0"/>
               <a:t>Contains High sodium, High fats, High carbs </a:t>
             </a:r>
-            <a:endParaRPr sz="1600"/>
+            <a:endParaRPr sz="1600" dirty="0"/>
           </a:p>
           <a:p>
             <a:pPr marL="254000" lvl="0" indent="-266700" algn="l" rtl="0">
@@ -24435,10 +24744,10 @@
               <a:buChar char="▪"/>
             </a:pPr>
             <a:r>
-              <a:rPr lang="en" sz="1600"/>
+              <a:rPr lang="en" sz="1600" dirty="0"/>
               <a:t>Injected with hormones</a:t>
             </a:r>
-            <a:endParaRPr sz="1600"/>
+            <a:endParaRPr sz="1600" dirty="0"/>
           </a:p>
           <a:p>
             <a:pPr marL="254000" lvl="0" indent="-165100" algn="l" rtl="0">
@@ -24454,7 +24763,7 @@
               <a:buSzPts val="1400"/>
               <a:buNone/>
             </a:pPr>
-            <a:endParaRPr sz="1100"/>
+            <a:endParaRPr sz="1100" dirty="0"/>
           </a:p>
         </p:txBody>
       </p:sp>
@@ -24467,6 +24776,200 @@
 </file>
 
 <file path=ppt/slides/slide4.xml><?xml version="1.0" encoding="utf-8"?>
+<p:sld xmlns:a="http://schemas.openxmlformats.org/drawingml/2006/main" xmlns:r="http://schemas.openxmlformats.org/officeDocument/2006/relationships" xmlns:p="http://schemas.openxmlformats.org/presentationml/2006/main">
+  <p:cSld>
+    <p:spTree>
+      <p:nvGrpSpPr>
+        <p:cNvPr id="1" name=""/>
+        <p:cNvGrpSpPr/>
+        <p:nvPr/>
+      </p:nvGrpSpPr>
+      <p:grpSpPr>
+        <a:xfrm>
+          <a:off x="0" y="0"/>
+          <a:ext cx="0" cy="0"/>
+          <a:chOff x="0" y="0"/>
+          <a:chExt cx="0" cy="0"/>
+        </a:xfrm>
+      </p:grpSpPr>
+      <p:sp>
+        <p:nvSpPr>
+          <p:cNvPr id="2" name="Title 1">
+            <a:extLst>
+              <a:ext uri="{FF2B5EF4-FFF2-40B4-BE49-F238E27FC236}">
+                <a16:creationId xmlns:a16="http://schemas.microsoft.com/office/drawing/2014/main" id="{A75C7EC0-37E6-9A4A-8CC2-ADD913D09AA4}"/>
+              </a:ext>
+            </a:extLst>
+          </p:cNvPr>
+          <p:cNvSpPr>
+            <a:spLocks noGrp="1"/>
+          </p:cNvSpPr>
+          <p:nvPr>
+            <p:ph type="title"/>
+          </p:nvPr>
+        </p:nvSpPr>
+        <p:spPr/>
+        <p:txBody>
+          <a:bodyPr/>
+          <a:lstStyle/>
+          <a:p>
+            <a:pPr algn="ctr"/>
+            <a:r>
+              <a:rPr lang="en-US" b="1" dirty="0"/>
+              <a:t>How we determined “Healthy and Unhealthy” restaurants  </a:t>
+            </a:r>
+          </a:p>
+        </p:txBody>
+      </p:sp>
+      <p:sp>
+        <p:nvSpPr>
+          <p:cNvPr id="3" name="Text Placeholder 2">
+            <a:extLst>
+              <a:ext uri="{FF2B5EF4-FFF2-40B4-BE49-F238E27FC236}">
+                <a16:creationId xmlns:a16="http://schemas.microsoft.com/office/drawing/2014/main" id="{C888B225-185D-6048-937C-F418CF7FF37E}"/>
+              </a:ext>
+            </a:extLst>
+          </p:cNvPr>
+          <p:cNvSpPr>
+            <a:spLocks noGrp="1"/>
+          </p:cNvSpPr>
+          <p:nvPr>
+            <p:ph type="body" idx="1"/>
+          </p:nvPr>
+        </p:nvSpPr>
+        <p:spPr/>
+        <p:txBody>
+          <a:bodyPr/>
+          <a:lstStyle/>
+          <a:p>
+            <a:pPr marL="0" lvl="0" indent="0">
+              <a:spcBef>
+                <a:spcPts val="0"/>
+              </a:spcBef>
+              <a:buNone/>
+            </a:pPr>
+            <a:r>
+              <a:rPr lang="en-US" dirty="0"/>
+              <a:t>Internet reviews and articles (from resources we determined what data to use)</a:t>
+            </a:r>
+          </a:p>
+          <a:p>
+            <a:pPr marL="0" lvl="0" indent="0">
+              <a:spcBef>
+                <a:spcPts val="0"/>
+              </a:spcBef>
+              <a:buNone/>
+            </a:pPr>
+            <a:endParaRPr lang="en-US" dirty="0"/>
+          </a:p>
+          <a:p>
+            <a:pPr marL="0" lvl="0" indent="0">
+              <a:spcBef>
+                <a:spcPts val="0"/>
+              </a:spcBef>
+              <a:buNone/>
+            </a:pPr>
+            <a:r>
+              <a:rPr lang="en-US" dirty="0"/>
+              <a:t>Overall consensus within the group</a:t>
+            </a:r>
+          </a:p>
+          <a:p>
+            <a:pPr marL="0" lvl="0" indent="0">
+              <a:spcBef>
+                <a:spcPts val="0"/>
+              </a:spcBef>
+              <a:buNone/>
+            </a:pPr>
+            <a:r>
+              <a:rPr lang="en-US" dirty="0"/>
+              <a:t> </a:t>
+            </a:r>
+          </a:p>
+          <a:p>
+            <a:pPr marL="0" lvl="0" indent="0">
+              <a:lnSpc>
+                <a:spcPct val="100000"/>
+              </a:lnSpc>
+              <a:spcBef>
+                <a:spcPts val="0"/>
+              </a:spcBef>
+              <a:buClr>
+                <a:schemeClr val="dk1"/>
+              </a:buClr>
+              <a:buNone/>
+            </a:pPr>
+            <a:r>
+              <a:rPr lang="en-US" dirty="0"/>
+              <a:t>Healthy restaurant review link </a:t>
+            </a:r>
+            <a:r>
+              <a:rPr lang="en-US" u="sng" dirty="0">
+                <a:solidFill>
+                  <a:schemeClr val="hlink"/>
+                </a:solidFill>
+                <a:hlinkClick r:id="rId2"/>
+              </a:rPr>
+              <a:t>https://www.thedailymeal.com/eat/americas-10-healthiest-chain-restaurants-0/slide-9</a:t>
+            </a:r>
+            <a:endParaRPr lang="en-US" dirty="0"/>
+          </a:p>
+          <a:p>
+            <a:pPr marL="0" lvl="0" indent="0">
+              <a:lnSpc>
+                <a:spcPct val="100000"/>
+              </a:lnSpc>
+              <a:spcBef>
+                <a:spcPts val="0"/>
+              </a:spcBef>
+              <a:buClr>
+                <a:schemeClr val="dk1"/>
+              </a:buClr>
+              <a:buNone/>
+            </a:pPr>
+            <a:r>
+              <a:rPr lang="en-US" dirty="0"/>
+              <a:t>Unhealthy restaurant review link </a:t>
+            </a:r>
+            <a:r>
+              <a:rPr lang="en-US" u="sng" dirty="0">
+                <a:solidFill>
+                  <a:schemeClr val="hlink"/>
+                </a:solidFill>
+                <a:hlinkClick r:id="rId3"/>
+              </a:rPr>
+              <a:t>https://www.thetravel.com/we-present-americas-20-most</a:t>
+            </a:r>
+            <a:r>
+              <a:rPr lang="en-US" u="sng" dirty="0">
+                <a:solidFill>
+                  <a:schemeClr val="hlink"/>
+                </a:solidFill>
+                <a:hlinkClick r:id="rId4"/>
+              </a:rPr>
+              <a:t>-unhealthy-fast-food-chains/</a:t>
+            </a:r>
+            <a:endParaRPr lang="en-US" dirty="0"/>
+          </a:p>
+          <a:p>
+            <a:endParaRPr lang="en-US" dirty="0"/>
+          </a:p>
+        </p:txBody>
+      </p:sp>
+    </p:spTree>
+    <p:extLst>
+      <p:ext uri="{BB962C8B-B14F-4D97-AF65-F5344CB8AC3E}">
+        <p14:creationId xmlns:p14="http://schemas.microsoft.com/office/powerpoint/2010/main" val="312332486"/>
+      </p:ext>
+    </p:extLst>
+  </p:cSld>
+  <p:clrMapOvr>
+    <a:masterClrMapping/>
+  </p:clrMapOvr>
+</p:sld>
+</file>
+
+<file path=ppt/slides/slide5.xml><?xml version="1.0" encoding="utf-8"?>
 <p:sld xmlns:a="http://schemas.openxmlformats.org/drawingml/2006/main" xmlns:r="http://schemas.openxmlformats.org/officeDocument/2006/relationships" xmlns:p="http://schemas.openxmlformats.org/presentationml/2006/main">
   <p:cSld>
     <p:spTree>
@@ -24769,7 +25272,7 @@
 </p:sld>
 </file>
 
-<file path=ppt/slides/slide5.xml><?xml version="1.0" encoding="utf-8"?>
+<file path=ppt/slides/slide6.xml><?xml version="1.0" encoding="utf-8"?>
 <p:sld xmlns:a="http://schemas.openxmlformats.org/drawingml/2006/main" xmlns:r="http://schemas.openxmlformats.org/officeDocument/2006/relationships" xmlns:p="http://schemas.openxmlformats.org/presentationml/2006/main">
   <p:cSld>
     <p:spTree>
@@ -24883,10 +25386,10 @@
               <a:buChar char="▪"/>
             </a:pPr>
             <a:r>
-              <a:rPr lang="en" sz="1800" b="1"/>
+              <a:rPr lang="en" sz="1800" b="1" dirty="0"/>
               <a:t>Hypothesis:  </a:t>
             </a:r>
-            <a:endParaRPr sz="1100"/>
+            <a:endParaRPr sz="1100" dirty="0"/>
           </a:p>
           <a:p>
             <a:pPr marL="254000" lvl="0" indent="-254000" algn="l" rtl="0">
@@ -24903,10 +25406,10 @@
               <a:buChar char="▪"/>
             </a:pPr>
             <a:r>
-              <a:rPr lang="en" sz="1400"/>
-              <a:t>Top 5 obese states rate unhealthy restaurants higher </a:t>
+              <a:rPr lang="en" sz="1400" dirty="0"/>
+              <a:t>Top 5 obese states will rate unhealthy restaurants higher </a:t>
             </a:r>
-            <a:endParaRPr sz="1100"/>
+            <a:endParaRPr sz="1100" dirty="0"/>
           </a:p>
           <a:p>
             <a:pPr marL="254000" lvl="0" indent="-254000" algn="l" rtl="0">
@@ -24923,10 +25426,10 @@
               <a:buChar char="▪"/>
             </a:pPr>
             <a:r>
-              <a:rPr lang="en" sz="1400"/>
-              <a:t>Bottom 5 obese states rate healthy restaurants higher</a:t>
+              <a:rPr lang="en" sz="1400" dirty="0"/>
+              <a:t>Bottom 5 obese states will rate healthy restaurants higher</a:t>
             </a:r>
-            <a:endParaRPr sz="1100"/>
+            <a:endParaRPr sz="1100" dirty="0"/>
           </a:p>
           <a:p>
             <a:pPr marL="254000" lvl="0" indent="-254000" algn="l" rtl="0">
@@ -24943,10 +25446,10 @@
               <a:buChar char="▪"/>
             </a:pPr>
             <a:r>
-              <a:rPr lang="en" sz="1800" b="1"/>
+              <a:rPr lang="en" sz="1800" b="1" dirty="0"/>
               <a:t>Null Hypothesis: </a:t>
             </a:r>
-            <a:endParaRPr sz="1100"/>
+            <a:endParaRPr sz="1100" dirty="0"/>
           </a:p>
           <a:p>
             <a:pPr marL="254000" lvl="0" indent="-254000" algn="l" rtl="0">
@@ -24963,10 +25466,10 @@
               <a:buChar char="▪"/>
             </a:pPr>
             <a:r>
-              <a:rPr lang="en" sz="1400"/>
-              <a:t>Top 5 obese states rate unhealthy restaurants lower</a:t>
+              <a:rPr lang="en" sz="1400" dirty="0"/>
+              <a:t>Top 5 obese states will rate unhealthy restaurants lower</a:t>
             </a:r>
-            <a:endParaRPr sz="1100"/>
+            <a:endParaRPr sz="1100" dirty="0"/>
           </a:p>
           <a:p>
             <a:pPr marL="254000" lvl="0" indent="-254000" algn="l" rtl="0">
@@ -24983,10 +25486,10 @@
               <a:buChar char="▪"/>
             </a:pPr>
             <a:r>
-              <a:rPr lang="en" sz="1400"/>
-              <a:t>Bottom 5 obese states rate healthy restaurants lower</a:t>
+              <a:rPr lang="en" sz="1400" dirty="0"/>
+              <a:t>Bottom 5 obese states will rate healthy restaurants lower</a:t>
             </a:r>
-            <a:endParaRPr sz="1100"/>
+            <a:endParaRPr sz="1100" dirty="0"/>
           </a:p>
           <a:p>
             <a:pPr marL="254000" lvl="0" indent="-152400" algn="l" rtl="0">
@@ -25002,7 +25505,7 @@
               <a:buSzPts val="1600"/>
               <a:buNone/>
             </a:pPr>
-            <a:endParaRPr sz="1800" b="1"/>
+            <a:endParaRPr sz="1800" b="1" dirty="0"/>
           </a:p>
         </p:txBody>
       </p:sp>
@@ -25014,7 +25517,7 @@
 </p:sld>
 </file>
 
-<file path=ppt/slides/slide6.xml><?xml version="1.0" encoding="utf-8"?>
+<file path=ppt/slides/slide7.xml><?xml version="1.0" encoding="utf-8"?>
 <p:sld xmlns:a="http://schemas.openxmlformats.org/drawingml/2006/main" xmlns:r="http://schemas.openxmlformats.org/officeDocument/2006/relationships" xmlns:p="http://schemas.openxmlformats.org/presentationml/2006/main">
   <p:cSld>
     <p:spTree>
@@ -25219,7 +25722,7 @@
 </p:sld>
 </file>
 
-<file path=ppt/slides/slide7.xml><?xml version="1.0" encoding="utf-8"?>
+<file path=ppt/slides/slide8.xml><?xml version="1.0" encoding="utf-8"?>
 <p:sld xmlns:a="http://schemas.openxmlformats.org/drawingml/2006/main" xmlns:r="http://schemas.openxmlformats.org/officeDocument/2006/relationships" xmlns:p="http://schemas.openxmlformats.org/presentationml/2006/main">
   <p:cSld>
     <p:spTree>
@@ -25377,7 +25880,7 @@
 </p:sld>
 </file>
 
-<file path=ppt/slides/slide8.xml><?xml version="1.0" encoding="utf-8"?>
+<file path=ppt/slides/slide9.xml><?xml version="1.0" encoding="utf-8"?>
 <p:sld xmlns:a="http://schemas.openxmlformats.org/drawingml/2006/main" xmlns:r="http://schemas.openxmlformats.org/officeDocument/2006/relationships" xmlns:p="http://schemas.openxmlformats.org/presentationml/2006/main">
   <p:cSld>
     <p:spTree>
@@ -25646,119 +26149,6 @@
           </a:p>
         </p:txBody>
       </p:sp>
-    </p:spTree>
-  </p:cSld>
-  <p:clrMapOvr>
-    <a:masterClrMapping/>
-  </p:clrMapOvr>
-</p:sld>
-</file>
-
-<file path=ppt/slides/slide9.xml><?xml version="1.0" encoding="utf-8"?>
-<p:sld xmlns:a="http://schemas.openxmlformats.org/drawingml/2006/main" xmlns:r="http://schemas.openxmlformats.org/officeDocument/2006/relationships" xmlns:p="http://schemas.openxmlformats.org/presentationml/2006/main">
-  <p:cSld>
-    <p:spTree>
-      <p:nvGrpSpPr>
-        <p:cNvPr id="1" name="Shape 234"/>
-        <p:cNvGrpSpPr/>
-        <p:nvPr/>
-      </p:nvGrpSpPr>
-      <p:grpSpPr>
-        <a:xfrm>
-          <a:off x="0" y="0"/>
-          <a:ext cx="0" cy="0"/>
-          <a:chOff x="0" y="0"/>
-          <a:chExt cx="0" cy="0"/>
-        </a:xfrm>
-      </p:grpSpPr>
-      <p:sp>
-        <p:nvSpPr>
-          <p:cNvPr id="235" name="Google Shape;235;p33"/>
-          <p:cNvSpPr txBox="1">
-            <a:spLocks noGrp="1"/>
-          </p:cNvSpPr>
-          <p:nvPr>
-            <p:ph type="title"/>
-          </p:nvPr>
-        </p:nvSpPr>
-        <p:spPr>
-          <a:xfrm>
-            <a:off x="1795570" y="434592"/>
-            <a:ext cx="5968748" cy="807922"/>
-          </a:xfrm>
-          <a:prstGeom prst="rect">
-            <a:avLst/>
-          </a:prstGeom>
-          <a:noFill/>
-          <a:ln>
-            <a:noFill/>
-          </a:ln>
-        </p:spPr>
-        <p:txBody>
-          <a:bodyPr spcFirstLastPara="1" wrap="square" lIns="68575" tIns="34275" rIns="68575" bIns="34275" anchor="t" anchorCtr="0">
-            <a:noAutofit/>
-          </a:bodyPr>
-          <a:lstStyle/>
-          <a:p>
-            <a:pPr marL="0" lvl="0" indent="0" algn="ctr" rtl="0">
-              <a:lnSpc>
-                <a:spcPct val="90000"/>
-              </a:lnSpc>
-              <a:spcBef>
-                <a:spcPts val="0"/>
-              </a:spcBef>
-              <a:spcAft>
-                <a:spcPts val="0"/>
-              </a:spcAft>
-              <a:buClr>
-                <a:schemeClr val="lt1"/>
-              </a:buClr>
-              <a:buSzPts val="2600"/>
-              <a:buFont typeface="Arial"/>
-              <a:buNone/>
-            </a:pPr>
-            <a:br>
-              <a:rPr lang="en" sz="1100" b="1"/>
-            </a:br>
-            <a:r>
-              <a:rPr lang="en" sz="2400" b="1"/>
-              <a:t>Obesity Rankings</a:t>
-            </a:r>
-            <a:endParaRPr sz="2400"/>
-          </a:p>
-        </p:txBody>
-      </p:sp>
-      <p:pic>
-        <p:nvPicPr>
-          <p:cNvPr id="236" name="Google Shape;236;p33"/>
-          <p:cNvPicPr preferRelativeResize="0">
-            <a:picLocks noGrp="1"/>
-          </p:cNvPicPr>
-          <p:nvPr>
-            <p:ph type="body" idx="1"/>
-          </p:nvPr>
-        </p:nvPicPr>
-        <p:blipFill rotWithShape="1">
-          <a:blip r:embed="rId3">
-            <a:alphaModFix/>
-          </a:blip>
-          <a:srcRect/>
-          <a:stretch/>
-        </p:blipFill>
-        <p:spPr>
-          <a:xfrm>
-            <a:off x="906235" y="1466561"/>
-            <a:ext cx="7429500" cy="3242348"/>
-          </a:xfrm>
-          <a:prstGeom prst="rect">
-            <a:avLst/>
-          </a:prstGeom>
-          <a:noFill/>
-          <a:ln>
-            <a:noFill/>
-          </a:ln>
-        </p:spPr>
-      </p:pic>
     </p:spTree>
   </p:cSld>
   <p:clrMapOvr>
